--- a/meeting/2025-03-04/2025-03-04meeting 吳定洋.pptx
+++ b/meeting/2025-03-04/2025-03-04meeting 吳定洋.pptx
@@ -1760,7 +1760,7 @@
           <a:p>
             <a:fld id="{FF3D1FE7-E52D-43D4-9F03-0B11FC6C31AA}" type="datetimeFigureOut">
               <a:rPr lang="zh-TW" altLang="en-US" smtClean="0"/>
-              <a:t>2025/3/3</a:t>
+              <a:t>2025/3/4</a:t>
             </a:fld>
             <a:endParaRPr lang="zh-TW" altLang="en-US"/>
           </a:p>
